--- a/2DGP 2차 프로젝트 발표 PPT.pptx
+++ b/2DGP 2차 프로젝트 발표 PPT.pptx
@@ -6,9 +6,10 @@
   </p:sldMasterIdLst>
   <p:sldIdLst>
     <p:sldId id="262" r:id="rId5"/>
-    <p:sldId id="258" r:id="rId6"/>
-    <p:sldId id="267" r:id="rId7"/>
-    <p:sldId id="265" r:id="rId8"/>
+    <p:sldId id="267" r:id="rId6"/>
+    <p:sldId id="269" r:id="rId7"/>
+    <p:sldId id="258" r:id="rId8"/>
+    <p:sldId id="265" r:id="rId9"/>
   </p:sldIdLst>
   <p:sldSz cx="12192000" cy="6858000"/>
   <p:notesSz cx="6858000" cy="9144000"/>
@@ -3583,7 +3584,7 @@
           <a:lstStyle/>
           <a:p>
             <a:r>
-              <a:rPr lang="en-US" altLang="ko-KR">
+              <a:rPr lang="en-US" altLang="ko-KR" dirty="0">
                 <a:solidFill>
                   <a:schemeClr val="bg1"/>
                 </a:solidFill>
@@ -3591,7 +3592,7 @@
               <a:t>2D </a:t>
             </a:r>
             <a:r>
-              <a:rPr lang="ko-KR" altLang="en-US">
+              <a:rPr lang="ko-KR" altLang="en-US" dirty="0">
                 <a:solidFill>
                   <a:schemeClr val="bg1"/>
                 </a:solidFill>
@@ -3599,22 +3600,22 @@
               <a:t>게임 프로그래밍 프로젝트 </a:t>
             </a:r>
             <a:r>
-              <a:rPr lang="en-US" altLang="ko-KR">
+              <a:rPr lang="en-US" altLang="ko-KR" dirty="0">
                 <a:solidFill>
                   <a:schemeClr val="bg1"/>
                 </a:solidFill>
               </a:rPr>
-              <a:t>1</a:t>
+              <a:t>2</a:t>
             </a:r>
             <a:r>
-              <a:rPr lang="ko-KR" altLang="en-US">
+              <a:rPr lang="ko-KR" altLang="en-US" dirty="0">
                 <a:solidFill>
                   <a:schemeClr val="bg1"/>
                 </a:solidFill>
               </a:rPr>
               <a:t>차 발표</a:t>
             </a:r>
-            <a:endParaRPr lang="en-US" altLang="ko-KR">
+            <a:endParaRPr lang="en-US" altLang="ko-KR" dirty="0">
               <a:solidFill>
                 <a:schemeClr val="bg1"/>
               </a:solidFill>
@@ -3622,7 +3623,7 @@
           </a:p>
           <a:p>
             <a:r>
-              <a:rPr lang="ko-KR" altLang="en-US">
+              <a:rPr lang="ko-KR" altLang="en-US" dirty="0">
                 <a:solidFill>
                   <a:schemeClr val="bg1"/>
                 </a:solidFill>
@@ -3630,7 +3631,7 @@
               <a:t>게임공학과 </a:t>
             </a:r>
             <a:r>
-              <a:rPr lang="en-US" altLang="ko-KR">
+              <a:rPr lang="en-US" altLang="ko-KR" dirty="0">
                 <a:solidFill>
                   <a:schemeClr val="bg1"/>
                 </a:solidFill>
@@ -3638,7 +3639,7 @@
               <a:t>2023182003 </a:t>
             </a:r>
             <a:r>
-              <a:rPr lang="ko-KR" altLang="en-US">
+              <a:rPr lang="ko-KR" altLang="en-US" dirty="0">
                 <a:solidFill>
                   <a:schemeClr val="bg1"/>
                 </a:solidFill>
@@ -4609,189 +4610,6 @@
     </p:bg>
     <p:spTree>
       <p:nvGrpSpPr>
-        <p:cNvPr id="1" name=""/>
-        <p:cNvGrpSpPr/>
-        <p:nvPr/>
-      </p:nvGrpSpPr>
-      <p:grpSpPr>
-        <a:xfrm>
-          <a:off x="0" y="0"/>
-          <a:ext cx="0" cy="0"/>
-          <a:chOff x="0" y="0"/>
-          <a:chExt cx="0" cy="0"/>
-        </a:xfrm>
-      </p:grpSpPr>
-      <p:sp>
-        <p:nvSpPr>
-          <p:cNvPr id="2097" name="Flowchart: Document 2096">
-            <a:extLst>
-              <a:ext uri="{FF2B5EF4-FFF2-40B4-BE49-F238E27FC236}">
-                <a16:creationId xmlns:a16="http://schemas.microsoft.com/office/drawing/2014/main" id="{D12DDE76-C203-4047-9998-63900085B5E8}"/>
-              </a:ext>
-              <a:ext uri="{C183D7F6-B498-43B3-948B-1728B52AA6E4}">
-                <adec:decorative xmlns:adec="http://schemas.microsoft.com/office/drawing/2017/decorative" val="1"/>
-              </a:ext>
-            </a:extLst>
-          </p:cNvPr>
-          <p:cNvSpPr>
-            <a:spLocks noGrp="1" noRot="1" noChangeAspect="1" noMove="1" noResize="1" noEditPoints="1" noAdjustHandles="1" noChangeArrowheads="1" noChangeShapeType="1" noTextEdit="1"/>
-          </p:cNvSpPr>
-          <p:nvPr>
-            <p:extLst>
-              <p:ext uri="{386F3935-93C4-4BCD-93E2-E3B085C9AB24}">
-                <p16:designElem xmlns:p16="http://schemas.microsoft.com/office/powerpoint/2015/main" val="1"/>
-              </p:ext>
-            </p:extLst>
-          </p:nvPr>
-        </p:nvSpPr>
-        <p:spPr>
-          <a:xfrm>
-            <a:off x="638175" y="0"/>
-            <a:ext cx="3248025" cy="3400426"/>
-          </a:xfrm>
-          <a:prstGeom prst="flowChartDocument">
-            <a:avLst/>
-          </a:prstGeom>
-          <a:solidFill>
-            <a:srgbClr val="6F8299"/>
-          </a:solidFill>
-          <a:ln>
-            <a:noFill/>
-          </a:ln>
-        </p:spPr>
-        <p:style>
-          <a:lnRef idx="2">
-            <a:schemeClr val="accent1">
-              <a:shade val="50000"/>
-            </a:schemeClr>
-          </a:lnRef>
-          <a:fillRef idx="1">
-            <a:schemeClr val="accent1"/>
-          </a:fillRef>
-          <a:effectRef idx="0">
-            <a:schemeClr val="accent1"/>
-          </a:effectRef>
-          <a:fontRef idx="minor">
-            <a:schemeClr val="lt1"/>
-          </a:fontRef>
-        </p:style>
-        <p:txBody>
-          <a:bodyPr rtlCol="0" anchor="ctr"/>
-          <a:lstStyle/>
-          <a:p>
-            <a:pPr algn="ctr"/>
-            <a:endParaRPr lang="en-US"/>
-          </a:p>
-        </p:txBody>
-      </p:sp>
-      <p:sp>
-        <p:nvSpPr>
-          <p:cNvPr id="2" name="제목 1">
-            <a:extLst>
-              <a:ext uri="{FF2B5EF4-FFF2-40B4-BE49-F238E27FC236}">
-                <a16:creationId xmlns:a16="http://schemas.microsoft.com/office/drawing/2014/main" id="{67055102-0BFE-55E8-CDA6-9E72318FF372}"/>
-              </a:ext>
-            </a:extLst>
-          </p:cNvPr>
-          <p:cNvSpPr>
-            <a:spLocks noGrp="1"/>
-          </p:cNvSpPr>
-          <p:nvPr>
-            <p:ph type="title"/>
-          </p:nvPr>
-        </p:nvSpPr>
-        <p:spPr>
-          <a:xfrm>
-            <a:off x="838200" y="171162"/>
-            <a:ext cx="2840182" cy="2371148"/>
-          </a:xfrm>
-          <a:prstGeom prst="rect">
-            <a:avLst/>
-          </a:prstGeom>
-        </p:spPr>
-        <p:txBody>
-          <a:bodyPr vert="horz" lIns="91440" tIns="45720" rIns="91440" bIns="45720" rtlCol="0" anchor="ctr">
-            <a:normAutofit/>
-          </a:bodyPr>
-          <a:lstStyle/>
-          <a:p>
-            <a:pPr latinLnBrk="0"/>
-            <a:r>
-              <a:rPr lang="en-US" altLang="ko-KR" kern="1200">
-                <a:solidFill>
-                  <a:srgbClr val="FFFFFF"/>
-                </a:solidFill>
-                <a:latin typeface="+mj-lt"/>
-                <a:ea typeface="+mj-ea"/>
-                <a:cs typeface="+mj-cs"/>
-              </a:rPr>
-              <a:t>Github commits</a:t>
-            </a:r>
-          </a:p>
-        </p:txBody>
-      </p:sp>
-      <p:pic>
-        <p:nvPicPr>
-          <p:cNvPr id="6" name="내용 개체 틀 5" descr="텍스트, 라인, 도표, 그래프이(가) 표시된 사진&#10;&#10;자동 생성된 설명">
-            <a:extLst>
-              <a:ext uri="{FF2B5EF4-FFF2-40B4-BE49-F238E27FC236}">
-                <a16:creationId xmlns:a16="http://schemas.microsoft.com/office/drawing/2014/main" id="{B38C74C5-9E12-D045-C0BB-C4C1156BB7E4}"/>
-              </a:ext>
-            </a:extLst>
-          </p:cNvPr>
-          <p:cNvPicPr>
-            <a:picLocks noGrp="1" noChangeAspect="1"/>
-          </p:cNvPicPr>
-          <p:nvPr>
-            <p:ph idx="1"/>
-          </p:nvPr>
-        </p:nvPicPr>
-        <p:blipFill>
-          <a:blip r:embed="rId2">
-            <a:extLst>
-              <a:ext uri="{28A0092B-C50C-407E-A947-70E740481C1C}">
-                <a14:useLocalDpi xmlns:a14="http://schemas.microsoft.com/office/drawing/2010/main" val="0"/>
-              </a:ext>
-            </a:extLst>
-          </a:blip>
-          <a:stretch/>
-        </p:blipFill>
-        <p:spPr>
-          <a:xfrm>
-            <a:off x="4207933" y="1399731"/>
-            <a:ext cx="7347537" cy="4059513"/>
-          </a:xfrm>
-          <a:prstGeom prst="rect">
-            <a:avLst/>
-          </a:prstGeom>
-        </p:spPr>
-      </p:pic>
-    </p:spTree>
-    <p:extLst>
-      <p:ext uri="{BB962C8B-B14F-4D97-AF65-F5344CB8AC3E}">
-        <p14:creationId xmlns:p14="http://schemas.microsoft.com/office/powerpoint/2010/main" val="3351772190"/>
-      </p:ext>
-    </p:extLst>
-  </p:cSld>
-  <p:clrMapOvr>
-    <a:masterClrMapping/>
-  </p:clrMapOvr>
-</p:sld>
-</file>
-
-<file path=ppt/slides/slide3.xml><?xml version="1.0" encoding="utf-8"?>
-<p:sld xmlns:a="http://schemas.openxmlformats.org/drawingml/2006/main" xmlns:r="http://schemas.openxmlformats.org/officeDocument/2006/relationships" xmlns:p="http://schemas.openxmlformats.org/presentationml/2006/main">
-  <p:cSld>
-    <p:bg>
-      <p:bgPr>
-        <a:solidFill>
-          <a:schemeClr val="bg1"/>
-        </a:solidFill>
-        <a:effectLst/>
-      </p:bgPr>
-    </p:bg>
-    <p:spTree>
-      <p:nvGrpSpPr>
         <p:cNvPr id="1" name="">
           <a:extLst>
             <a:ext uri="{FF2B5EF4-FFF2-40B4-BE49-F238E27FC236}">
@@ -4955,7 +4773,7 @@
           <p:nvPr>
             <p:extLst>
               <p:ext uri="{D42A27DB-BD31-4B8C-83A1-F6EECF244321}">
-                <p14:modId xmlns:p14="http://schemas.microsoft.com/office/powerpoint/2010/main" val="4269198730"/>
+                <p14:modId xmlns:p14="http://schemas.microsoft.com/office/powerpoint/2010/main" val="3143047500"/>
               </p:ext>
             </p:extLst>
           </p:nvPr>
@@ -4971,14 +4789,14 @@
                 <a:tableStyleId>{69CF1AB2-1976-4502-BF36-3FF5EA218861}</a:tableStyleId>
               </a:tblPr>
               <a:tblGrid>
-                <a:gridCol w="831654">
+                <a:gridCol w="823923">
                   <a:extLst>
                     <a:ext uri="{9D8B030D-6E8A-4147-A177-3AD203B41FA5}">
                       <a16:colId xmlns:a16="http://schemas.microsoft.com/office/drawing/2014/main" val="3975697393"/>
                     </a:ext>
                   </a:extLst>
                 </a:gridCol>
-                <a:gridCol w="6134296">
+                <a:gridCol w="6142027">
                   <a:extLst>
                     <a:ext uri="{9D8B030D-6E8A-4147-A177-3AD203B41FA5}">
                       <a16:colId xmlns:a16="http://schemas.microsoft.com/office/drawing/2014/main" val="1815820187"/>
@@ -5577,18 +5395,13 @@
                         <a:t>일부 리소스</a:t>
                       </a:r>
                       <a:r>
-                        <a:rPr lang="en-US" altLang="ko-KR" sz="1200" cap="none" spc="0">
+                        <a:rPr lang="en-US" altLang="ko-KR" sz="1200" cap="none" spc="0" dirty="0">
                           <a:solidFill>
                             <a:schemeClr val="tx1"/>
                           </a:solidFill>
                         </a:rPr>
                         <a:t>X)</a:t>
                       </a:r>
-                      <a:endParaRPr lang="en-US" altLang="ko-KR" sz="1200" cap="none" spc="0" dirty="0">
-                        <a:solidFill>
-                          <a:schemeClr val="tx1"/>
-                        </a:solidFill>
-                      </a:endParaRPr>
                     </a:p>
                   </a:txBody>
                   <a:tcPr marL="149703" marR="135330" marT="115156" marB="115156" anchor="ctr">
@@ -7442,19 +7255,6 @@
                         </a:rPr>
                         <a:t>충돌 체크</a:t>
                       </a:r>
-                      <a:r>
-                        <a:rPr lang="en-US" altLang="ko-KR" sz="1200" cap="none" spc="0" dirty="0">
-                          <a:solidFill>
-                            <a:schemeClr val="tx1"/>
-                          </a:solidFill>
-                        </a:rPr>
-                        <a:t>,</a:t>
-                      </a:r>
-                      <a:endParaRPr lang="ko-KR" altLang="en-US" sz="1200" cap="none" spc="0" dirty="0">
-                        <a:solidFill>
-                          <a:schemeClr val="tx1"/>
-                        </a:solidFill>
-                      </a:endParaRPr>
                     </a:p>
                   </a:txBody>
                   <a:tcPr marL="149703" marR="135330" marT="115156" marB="115156" anchor="ctr">
@@ -7603,7 +7403,1534 @@
 </p:sld>
 </file>
 
+<file path=ppt/slides/slide3.xml><?xml version="1.0" encoding="utf-8"?>
+<p:sld xmlns:a="http://schemas.openxmlformats.org/drawingml/2006/main" xmlns:r="http://schemas.openxmlformats.org/officeDocument/2006/relationships" xmlns:p="http://schemas.openxmlformats.org/presentationml/2006/main">
+  <p:cSld>
+    <p:bg>
+      <p:bgPr>
+        <a:solidFill>
+          <a:schemeClr val="bg1"/>
+        </a:solidFill>
+        <a:effectLst/>
+      </p:bgPr>
+    </p:bg>
+    <p:spTree>
+      <p:nvGrpSpPr>
+        <p:cNvPr id="1" name="">
+          <a:extLst>
+            <a:ext uri="{FF2B5EF4-FFF2-40B4-BE49-F238E27FC236}">
+              <a16:creationId xmlns:a16="http://schemas.microsoft.com/office/drawing/2014/main" id="{28C4163C-E161-C07F-FF05-A79606FCFEBD}"/>
+            </a:ext>
+          </a:extLst>
+        </p:cNvPr>
+        <p:cNvGrpSpPr/>
+        <p:nvPr/>
+      </p:nvGrpSpPr>
+      <p:grpSpPr>
+        <a:xfrm>
+          <a:off x="0" y="0"/>
+          <a:ext cx="0" cy="0"/>
+          <a:chOff x="0" y="0"/>
+          <a:chExt cx="0" cy="0"/>
+        </a:xfrm>
+      </p:grpSpPr>
+      <p:sp>
+        <p:nvSpPr>
+          <p:cNvPr id="11" name="Flowchart: Document 10">
+            <a:extLst>
+              <a:ext uri="{FF2B5EF4-FFF2-40B4-BE49-F238E27FC236}">
+                <a16:creationId xmlns:a16="http://schemas.microsoft.com/office/drawing/2014/main" id="{D12DDE76-C203-4047-9998-63900085B5E8}"/>
+              </a:ext>
+              <a:ext uri="{C183D7F6-B498-43B3-948B-1728B52AA6E4}">
+                <adec:decorative xmlns:adec="http://schemas.microsoft.com/office/drawing/2017/decorative" val="1"/>
+              </a:ext>
+            </a:extLst>
+          </p:cNvPr>
+          <p:cNvSpPr>
+            <a:spLocks noGrp="1" noRot="1" noChangeAspect="1" noMove="1" noResize="1" noEditPoints="1" noAdjustHandles="1" noChangeArrowheads="1" noChangeShapeType="1" noTextEdit="1"/>
+          </p:cNvSpPr>
+          <p:nvPr>
+            <p:extLst>
+              <p:ext uri="{386F3935-93C4-4BCD-93E2-E3B085C9AB24}">
+                <p16:designElem xmlns:p16="http://schemas.microsoft.com/office/powerpoint/2015/main" val="1"/>
+              </p:ext>
+            </p:extLst>
+          </p:nvPr>
+        </p:nvSpPr>
+        <p:spPr>
+          <a:xfrm>
+            <a:off x="638175" y="0"/>
+            <a:ext cx="3248025" cy="3400426"/>
+          </a:xfrm>
+          <a:prstGeom prst="flowChartDocument">
+            <a:avLst/>
+          </a:prstGeom>
+          <a:solidFill>
+            <a:srgbClr val="6F8299"/>
+          </a:solidFill>
+          <a:ln>
+            <a:noFill/>
+          </a:ln>
+        </p:spPr>
+        <p:style>
+          <a:lnRef idx="2">
+            <a:schemeClr val="accent1">
+              <a:shade val="50000"/>
+            </a:schemeClr>
+          </a:lnRef>
+          <a:fillRef idx="1">
+            <a:schemeClr val="accent1"/>
+          </a:fillRef>
+          <a:effectRef idx="0">
+            <a:schemeClr val="accent1"/>
+          </a:effectRef>
+          <a:fontRef idx="minor">
+            <a:schemeClr val="lt1"/>
+          </a:fontRef>
+        </p:style>
+        <p:txBody>
+          <a:bodyPr rtlCol="0" anchor="ctr"/>
+          <a:lstStyle/>
+          <a:p>
+            <a:pPr algn="ctr"/>
+            <a:endParaRPr lang="en-US"/>
+          </a:p>
+        </p:txBody>
+      </p:sp>
+      <p:sp>
+        <p:nvSpPr>
+          <p:cNvPr id="2" name="제목 1">
+            <a:extLst>
+              <a:ext uri="{FF2B5EF4-FFF2-40B4-BE49-F238E27FC236}">
+                <a16:creationId xmlns:a16="http://schemas.microsoft.com/office/drawing/2014/main" id="{9D28D2DA-9390-AFCA-2F2E-2D07F41C6878}"/>
+              </a:ext>
+            </a:extLst>
+          </p:cNvPr>
+          <p:cNvSpPr>
+            <a:spLocks noGrp="1"/>
+          </p:cNvSpPr>
+          <p:nvPr>
+            <p:ph type="title"/>
+          </p:nvPr>
+        </p:nvSpPr>
+        <p:spPr>
+          <a:xfrm>
+            <a:off x="838200" y="171162"/>
+            <a:ext cx="2840182" cy="2371148"/>
+          </a:xfrm>
+          <a:prstGeom prst="rect">
+            <a:avLst/>
+          </a:prstGeom>
+        </p:spPr>
+        <p:txBody>
+          <a:bodyPr vert="horz" lIns="91440" tIns="45720" rIns="91440" bIns="45720" rtlCol="0" anchor="ctr">
+            <a:normAutofit/>
+          </a:bodyPr>
+          <a:lstStyle/>
+          <a:p>
+            <a:pPr latinLnBrk="0"/>
+            <a:r>
+              <a:rPr lang="ko-KR" altLang="en-US" kern="1200" dirty="0">
+                <a:solidFill>
+                  <a:srgbClr val="FFFFFF"/>
+                </a:solidFill>
+                <a:latin typeface="+mj-lt"/>
+                <a:ea typeface="+mj-ea"/>
+                <a:cs typeface="+mj-cs"/>
+              </a:rPr>
+              <a:t>개발 일정</a:t>
+            </a:r>
+            <a:br>
+              <a:rPr lang="en-US" altLang="ko-KR" kern="1200" dirty="0">
+                <a:solidFill>
+                  <a:srgbClr val="FFFFFF"/>
+                </a:solidFill>
+                <a:latin typeface="+mj-lt"/>
+                <a:ea typeface="+mj-ea"/>
+                <a:cs typeface="+mj-cs"/>
+              </a:rPr>
+            </a:br>
+            <a:r>
+              <a:rPr lang="ko-KR" altLang="en-US" dirty="0">
+                <a:solidFill>
+                  <a:srgbClr val="FFFFFF"/>
+                </a:solidFill>
+              </a:rPr>
+              <a:t>변경</a:t>
+            </a:r>
+            <a:endParaRPr lang="en-US" altLang="ko-KR" kern="1200" dirty="0">
+              <a:solidFill>
+                <a:srgbClr val="FFFFFF"/>
+              </a:solidFill>
+              <a:latin typeface="+mj-lt"/>
+              <a:ea typeface="+mj-ea"/>
+              <a:cs typeface="+mj-cs"/>
+            </a:endParaRPr>
+          </a:p>
+        </p:txBody>
+      </p:sp>
+      <p:graphicFrame>
+        <p:nvGraphicFramePr>
+          <p:cNvPr id="5" name="표 4">
+            <a:extLst>
+              <a:ext uri="{FF2B5EF4-FFF2-40B4-BE49-F238E27FC236}">
+                <a16:creationId xmlns:a16="http://schemas.microsoft.com/office/drawing/2014/main" id="{E08B032C-CB1A-A6EB-7398-39E3B421F00B}"/>
+              </a:ext>
+            </a:extLst>
+          </p:cNvPr>
+          <p:cNvGraphicFramePr>
+            <a:graphicFrameLocks noGrp="1"/>
+          </p:cNvGraphicFramePr>
+          <p:nvPr>
+            <p:extLst>
+              <p:ext uri="{D42A27DB-BD31-4B8C-83A1-F6EECF244321}">
+                <p14:modId xmlns:p14="http://schemas.microsoft.com/office/powerpoint/2010/main" val="2774663451"/>
+              </p:ext>
+            </p:extLst>
+          </p:nvPr>
+        </p:nvGraphicFramePr>
+        <p:xfrm>
+          <a:off x="4207933" y="952655"/>
+          <a:ext cx="7347538" cy="4953672"/>
+        </p:xfrm>
+        <a:graphic>
+          <a:graphicData uri="http://schemas.openxmlformats.org/drawingml/2006/table">
+            <a:tbl>
+              <a:tblPr firstRow="1" bandRow="1">
+                <a:tableStyleId>{69CF1AB2-1976-4502-BF36-3FF5EA218861}</a:tableStyleId>
+              </a:tblPr>
+              <a:tblGrid>
+                <a:gridCol w="756212">
+                  <a:extLst>
+                    <a:ext uri="{9D8B030D-6E8A-4147-A177-3AD203B41FA5}">
+                      <a16:colId xmlns:a16="http://schemas.microsoft.com/office/drawing/2014/main" val="3975697393"/>
+                    </a:ext>
+                  </a:extLst>
+                </a:gridCol>
+                <a:gridCol w="6591326">
+                  <a:extLst>
+                    <a:ext uri="{9D8B030D-6E8A-4147-A177-3AD203B41FA5}">
+                      <a16:colId xmlns:a16="http://schemas.microsoft.com/office/drawing/2014/main" val="1815820187"/>
+                    </a:ext>
+                  </a:extLst>
+                </a:gridCol>
+              </a:tblGrid>
+              <a:tr h="412806">
+                <a:tc rowSpan="2">
+                  <a:txBody>
+                    <a:bodyPr/>
+                    <a:lstStyle/>
+                    <a:p>
+                      <a:pPr algn="l" latinLnBrk="1"/>
+                      <a:r>
+                        <a:rPr lang="ko-KR" altLang="en-US" sz="1100" b="1" cap="none" spc="0" dirty="0">
+                          <a:solidFill>
+                            <a:sysClr val="windowText" lastClr="000000"/>
+                          </a:solidFill>
+                        </a:rPr>
+                        <a:t>일정</a:t>
+                      </a:r>
+                    </a:p>
+                  </a:txBody>
+                  <a:tcPr marL="137400" marR="143316" marT="105692" marB="105692" anchor="ctr">
+                    <a:lnL w="12700" cap="flat" cmpd="sng" algn="ctr">
+                      <a:solidFill>
+                        <a:srgbClr val="6F8299"/>
+                      </a:solidFill>
+                      <a:prstDash val="solid"/>
+                      <a:round/>
+                      <a:headEnd type="none" w="med" len="med"/>
+                      <a:tailEnd type="none" w="med" len="med"/>
+                    </a:lnL>
+                    <a:lnR w="12700" cap="flat" cmpd="sng" algn="ctr">
+                      <a:solidFill>
+                        <a:srgbClr val="6F8299"/>
+                      </a:solidFill>
+                      <a:prstDash val="solid"/>
+                      <a:round/>
+                      <a:headEnd type="none" w="med" len="med"/>
+                      <a:tailEnd type="none" w="med" len="med"/>
+                    </a:lnR>
+                    <a:lnT w="12700" cap="flat" cmpd="sng" algn="ctr">
+                      <a:solidFill>
+                        <a:srgbClr val="6F8299"/>
+                      </a:solidFill>
+                      <a:prstDash val="solid"/>
+                      <a:round/>
+                      <a:headEnd type="none" w="med" len="med"/>
+                      <a:tailEnd type="none" w="med" len="med"/>
+                    </a:lnT>
+                    <a:lnB w="12700" cap="flat" cmpd="sng" algn="ctr">
+                      <a:solidFill>
+                        <a:srgbClr val="6F8299"/>
+                      </a:solidFill>
+                      <a:prstDash val="solid"/>
+                      <a:round/>
+                      <a:headEnd type="none" w="med" len="med"/>
+                      <a:tailEnd type="none" w="med" len="med"/>
+                    </a:lnB>
+                    <a:lnTlToBr w="12700" cmpd="sng">
+                      <a:noFill/>
+                      <a:prstDash val="solid"/>
+                    </a:lnTlToBr>
+                    <a:lnBlToTr w="12700" cmpd="sng">
+                      <a:noFill/>
+                      <a:prstDash val="solid"/>
+                    </a:lnBlToTr>
+                    <a:solidFill>
+                      <a:srgbClr val="B6B9C2"/>
+                    </a:solidFill>
+                  </a:tcPr>
+                </a:tc>
+                <a:tc>
+                  <a:txBody>
+                    <a:bodyPr/>
+                    <a:lstStyle/>
+                    <a:p>
+                      <a:pPr algn="l" latinLnBrk="1"/>
+                      <a:r>
+                        <a:rPr lang="ko-KR" altLang="en-US" sz="1100" b="1" cap="none" spc="0" dirty="0">
+                          <a:solidFill>
+                            <a:sysClr val="windowText" lastClr="000000"/>
+                          </a:solidFill>
+                        </a:rPr>
+                        <a:t>기존 내용</a:t>
+                      </a:r>
+                    </a:p>
+                  </a:txBody>
+                  <a:tcPr marL="137400" marR="143316" marT="105692" marB="105692" anchor="ctr">
+                    <a:lnL w="12700" cap="flat" cmpd="sng" algn="ctr">
+                      <a:solidFill>
+                        <a:srgbClr val="6F8299"/>
+                      </a:solidFill>
+                      <a:prstDash val="solid"/>
+                      <a:round/>
+                      <a:headEnd type="none" w="med" len="med"/>
+                      <a:tailEnd type="none" w="med" len="med"/>
+                    </a:lnL>
+                    <a:lnR w="12700" cap="flat" cmpd="sng" algn="ctr">
+                      <a:solidFill>
+                        <a:srgbClr val="6F8299"/>
+                      </a:solidFill>
+                      <a:prstDash val="solid"/>
+                      <a:round/>
+                      <a:headEnd type="none" w="med" len="med"/>
+                      <a:tailEnd type="none" w="med" len="med"/>
+                    </a:lnR>
+                    <a:lnT w="12700" cap="flat" cmpd="sng" algn="ctr">
+                      <a:solidFill>
+                        <a:srgbClr val="6F8299"/>
+                      </a:solidFill>
+                      <a:prstDash val="solid"/>
+                      <a:round/>
+                      <a:headEnd type="none" w="med" len="med"/>
+                      <a:tailEnd type="none" w="med" len="med"/>
+                    </a:lnT>
+                    <a:lnB w="12700" cap="flat" cmpd="sng" algn="ctr">
+                      <a:solidFill>
+                        <a:srgbClr val="6F8299"/>
+                      </a:solidFill>
+                      <a:prstDash val="solid"/>
+                      <a:round/>
+                      <a:headEnd type="none" w="med" len="med"/>
+                      <a:tailEnd type="none" w="med" len="med"/>
+                    </a:lnB>
+                    <a:lnTlToBr w="12700" cmpd="sng">
+                      <a:noFill/>
+                      <a:prstDash val="solid"/>
+                    </a:lnTlToBr>
+                    <a:lnBlToTr w="12700" cmpd="sng">
+                      <a:noFill/>
+                      <a:prstDash val="solid"/>
+                    </a:lnBlToTr>
+                    <a:solidFill>
+                      <a:srgbClr val="B6B9C2"/>
+                    </a:solidFill>
+                  </a:tcPr>
+                </a:tc>
+                <a:extLst>
+                  <a:ext uri="{0D108BD9-81ED-4DB2-BD59-A6C34878D82A}">
+                    <a16:rowId xmlns:a16="http://schemas.microsoft.com/office/drawing/2014/main" val="2692351179"/>
+                  </a:ext>
+                </a:extLst>
+              </a:tr>
+              <a:tr h="412806">
+                <a:tc vMerge="1">
+                  <a:txBody>
+                    <a:bodyPr/>
+                    <a:lstStyle/>
+                    <a:p>
+                      <a:pPr latinLnBrk="1"/>
+                      <a:endParaRPr lang="ko-KR" altLang="en-US"/>
+                    </a:p>
+                  </a:txBody>
+                  <a:tcPr/>
+                </a:tc>
+                <a:tc>
+                  <a:txBody>
+                    <a:bodyPr/>
+                    <a:lstStyle/>
+                    <a:p>
+                      <a:pPr algn="l" latinLnBrk="1"/>
+                      <a:r>
+                        <a:rPr lang="ko-KR" altLang="en-US" sz="1100" b="1" cap="none" spc="0" dirty="0">
+                          <a:solidFill>
+                            <a:sysClr val="windowText" lastClr="000000"/>
+                          </a:solidFill>
+                        </a:rPr>
+                        <a:t>변경 내용</a:t>
+                      </a:r>
+                    </a:p>
+                  </a:txBody>
+                  <a:tcPr marL="137400" marR="143316" marT="105692" marB="105692" anchor="ctr">
+                    <a:lnL w="12700" cap="flat" cmpd="sng" algn="ctr">
+                      <a:solidFill>
+                        <a:srgbClr val="6F8299"/>
+                      </a:solidFill>
+                      <a:prstDash val="solid"/>
+                      <a:round/>
+                      <a:headEnd type="none" w="med" len="med"/>
+                      <a:tailEnd type="none" w="med" len="med"/>
+                    </a:lnL>
+                    <a:lnR w="12700" cap="flat" cmpd="sng" algn="ctr">
+                      <a:solidFill>
+                        <a:srgbClr val="6F8299"/>
+                      </a:solidFill>
+                      <a:prstDash val="solid"/>
+                      <a:round/>
+                      <a:headEnd type="none" w="med" len="med"/>
+                      <a:tailEnd type="none" w="med" len="med"/>
+                    </a:lnR>
+                    <a:lnT w="12700" cap="flat" cmpd="sng" algn="ctr">
+                      <a:solidFill>
+                        <a:srgbClr val="6F8299"/>
+                      </a:solidFill>
+                      <a:prstDash val="solid"/>
+                      <a:round/>
+                      <a:headEnd type="none" w="med" len="med"/>
+                      <a:tailEnd type="none" w="med" len="med"/>
+                    </a:lnT>
+                    <a:lnB w="12700" cap="flat" cmpd="sng" algn="ctr">
+                      <a:solidFill>
+                        <a:srgbClr val="6F8299"/>
+                      </a:solidFill>
+                      <a:prstDash val="solid"/>
+                      <a:round/>
+                      <a:headEnd type="none" w="med" len="med"/>
+                      <a:tailEnd type="none" w="med" len="med"/>
+                    </a:lnB>
+                    <a:lnTlToBr w="12700" cmpd="sng">
+                      <a:noFill/>
+                      <a:prstDash val="solid"/>
+                    </a:lnTlToBr>
+                    <a:lnBlToTr w="12700" cmpd="sng">
+                      <a:noFill/>
+                      <a:prstDash val="solid"/>
+                    </a:lnBlToTr>
+                    <a:solidFill>
+                      <a:srgbClr val="B6B9C2"/>
+                    </a:solidFill>
+                  </a:tcPr>
+                </a:tc>
+                <a:extLst>
+                  <a:ext uri="{0D108BD9-81ED-4DB2-BD59-A6C34878D82A}">
+                    <a16:rowId xmlns:a16="http://schemas.microsoft.com/office/drawing/2014/main" val="3695636982"/>
+                  </a:ext>
+                </a:extLst>
+              </a:tr>
+              <a:tr h="688010">
+                <a:tc rowSpan="2">
+                  <a:txBody>
+                    <a:bodyPr/>
+                    <a:lstStyle/>
+                    <a:p>
+                      <a:pPr algn="l" latinLnBrk="1"/>
+                      <a:r>
+                        <a:rPr lang="en-US" altLang="ko-KR" sz="1100" cap="none" spc="0" dirty="0">
+                          <a:solidFill>
+                            <a:schemeClr val="tx1"/>
+                          </a:solidFill>
+                        </a:rPr>
+                        <a:t>6</a:t>
+                      </a:r>
+                      <a:r>
+                        <a:rPr lang="ko-KR" altLang="en-US" sz="1100" cap="none" spc="0" dirty="0">
+                          <a:solidFill>
+                            <a:schemeClr val="tx1"/>
+                          </a:solidFill>
+                        </a:rPr>
+                        <a:t>주차</a:t>
+                      </a:r>
+                    </a:p>
+                  </a:txBody>
+                  <a:tcPr marL="137400" marR="124208" marT="105692" marB="105692" anchor="ctr">
+                    <a:lnL w="12700" cap="flat" cmpd="sng" algn="ctr">
+                      <a:solidFill>
+                        <a:srgbClr val="6F8299"/>
+                      </a:solidFill>
+                      <a:prstDash val="solid"/>
+                      <a:round/>
+                      <a:headEnd type="none" w="med" len="med"/>
+                      <a:tailEnd type="none" w="med" len="med"/>
+                    </a:lnL>
+                    <a:lnR w="12700" cap="flat" cmpd="sng" algn="ctr">
+                      <a:solidFill>
+                        <a:srgbClr val="6F8299"/>
+                      </a:solidFill>
+                      <a:prstDash val="solid"/>
+                      <a:round/>
+                      <a:headEnd type="none" w="med" len="med"/>
+                      <a:tailEnd type="none" w="med" len="med"/>
+                    </a:lnR>
+                    <a:lnT w="12700" cap="flat" cmpd="sng" algn="ctr">
+                      <a:solidFill>
+                        <a:srgbClr val="6F8299"/>
+                      </a:solidFill>
+                      <a:prstDash val="solid"/>
+                      <a:round/>
+                      <a:headEnd type="none" w="med" len="med"/>
+                      <a:tailEnd type="none" w="med" len="med"/>
+                    </a:lnT>
+                    <a:lnB w="12700" cap="flat" cmpd="sng" algn="ctr">
+                      <a:solidFill>
+                        <a:srgbClr val="6F8299"/>
+                      </a:solidFill>
+                      <a:prstDash val="solid"/>
+                      <a:round/>
+                      <a:headEnd type="none" w="med" len="med"/>
+                      <a:tailEnd type="none" w="med" len="med"/>
+                    </a:lnB>
+                    <a:lnTlToBr w="12700" cmpd="sng">
+                      <a:noFill/>
+                      <a:prstDash val="solid"/>
+                    </a:lnTlToBr>
+                    <a:lnBlToTr w="12700" cmpd="sng">
+                      <a:noFill/>
+                      <a:prstDash val="solid"/>
+                    </a:lnBlToTr>
+                  </a:tcPr>
+                </a:tc>
+                <a:tc>
+                  <a:txBody>
+                    <a:bodyPr/>
+                    <a:lstStyle/>
+                    <a:p>
+                      <a:pPr algn="l" latinLnBrk="1"/>
+                      <a:r>
+                        <a:rPr lang="ko-KR" altLang="en-US" sz="1100" cap="none" spc="0" dirty="0">
+                          <a:solidFill>
+                            <a:schemeClr val="tx1"/>
+                          </a:solidFill>
+                        </a:rPr>
+                        <a:t>아이템</a:t>
+                      </a:r>
+                      <a:r>
+                        <a:rPr lang="en-US" altLang="ko-KR" sz="1100" cap="none" spc="0" dirty="0">
+                          <a:solidFill>
+                            <a:schemeClr val="tx1"/>
+                          </a:solidFill>
+                        </a:rPr>
+                        <a:t>, </a:t>
+                      </a:r>
+                      <a:r>
+                        <a:rPr lang="ko-KR" altLang="en-US" sz="1100" cap="none" spc="0" dirty="0">
+                          <a:solidFill>
+                            <a:schemeClr val="tx1"/>
+                          </a:solidFill>
+                        </a:rPr>
+                        <a:t>난이도</a:t>
+                      </a:r>
+                      <a:r>
+                        <a:rPr lang="en-US" altLang="ko-KR" sz="1100" cap="none" spc="0" dirty="0">
+                          <a:solidFill>
+                            <a:schemeClr val="tx1"/>
+                          </a:solidFill>
+                        </a:rPr>
+                        <a:t>, </a:t>
+                      </a:r>
+                      <a:r>
+                        <a:rPr lang="ko-KR" altLang="en-US" sz="1100" cap="none" spc="0" dirty="0">
+                          <a:solidFill>
+                            <a:schemeClr val="tx1"/>
+                          </a:solidFill>
+                        </a:rPr>
+                        <a:t>아이템 관련 랜덤 퀘스트 추가</a:t>
+                      </a:r>
+                    </a:p>
+                  </a:txBody>
+                  <a:tcPr marL="137400" marR="124208" marT="105692" marB="105692" anchor="ctr">
+                    <a:lnL w="12700" cap="flat" cmpd="sng" algn="ctr">
+                      <a:solidFill>
+                        <a:srgbClr val="6F8299"/>
+                      </a:solidFill>
+                      <a:prstDash val="solid"/>
+                      <a:round/>
+                      <a:headEnd type="none" w="med" len="med"/>
+                      <a:tailEnd type="none" w="med" len="med"/>
+                    </a:lnL>
+                    <a:lnR w="12700" cap="flat" cmpd="sng" algn="ctr">
+                      <a:solidFill>
+                        <a:srgbClr val="6F8299"/>
+                      </a:solidFill>
+                      <a:prstDash val="solid"/>
+                      <a:round/>
+                      <a:headEnd type="none" w="med" len="med"/>
+                      <a:tailEnd type="none" w="med" len="med"/>
+                    </a:lnR>
+                    <a:lnT w="12700" cap="flat" cmpd="sng" algn="ctr">
+                      <a:solidFill>
+                        <a:srgbClr val="6F8299"/>
+                      </a:solidFill>
+                      <a:prstDash val="solid"/>
+                      <a:round/>
+                      <a:headEnd type="none" w="med" len="med"/>
+                      <a:tailEnd type="none" w="med" len="med"/>
+                    </a:lnT>
+                    <a:lnB w="12700" cap="flat" cmpd="sng" algn="ctr">
+                      <a:solidFill>
+                        <a:srgbClr val="6F8299"/>
+                      </a:solidFill>
+                      <a:prstDash val="solid"/>
+                      <a:round/>
+                      <a:headEnd type="none" w="med" len="med"/>
+                      <a:tailEnd type="none" w="med" len="med"/>
+                    </a:lnB>
+                    <a:lnTlToBr w="12700" cmpd="sng">
+                      <a:noFill/>
+                      <a:prstDash val="solid"/>
+                    </a:lnTlToBr>
+                    <a:lnBlToTr w="12700" cmpd="sng">
+                      <a:noFill/>
+                      <a:prstDash val="solid"/>
+                    </a:lnBlToTr>
+                  </a:tcPr>
+                </a:tc>
+                <a:extLst>
+                  <a:ext uri="{0D108BD9-81ED-4DB2-BD59-A6C34878D82A}">
+                    <a16:rowId xmlns:a16="http://schemas.microsoft.com/office/drawing/2014/main" val="1185246485"/>
+                  </a:ext>
+                </a:extLst>
+              </a:tr>
+              <a:tr h="688010">
+                <a:tc vMerge="1">
+                  <a:txBody>
+                    <a:bodyPr/>
+                    <a:lstStyle/>
+                    <a:p>
+                      <a:pPr latinLnBrk="1"/>
+                      <a:endParaRPr lang="ko-KR" altLang="en-US"/>
+                    </a:p>
+                  </a:txBody>
+                  <a:tcPr/>
+                </a:tc>
+                <a:tc>
+                  <a:txBody>
+                    <a:bodyPr/>
+                    <a:lstStyle/>
+                    <a:p>
+                      <a:pPr algn="l" latinLnBrk="1"/>
+                      <a:r>
+                        <a:rPr lang="ko-KR" altLang="en-US" sz="1100" cap="none" spc="0" dirty="0">
+                          <a:solidFill>
+                            <a:schemeClr val="tx1"/>
+                          </a:solidFill>
+                        </a:rPr>
+                        <a:t>아이템</a:t>
+                      </a:r>
+                      <a:r>
+                        <a:rPr lang="en-US" altLang="ko-KR" sz="1100" cap="none" spc="0" dirty="0">
+                          <a:solidFill>
+                            <a:schemeClr val="tx1"/>
+                          </a:solidFill>
+                        </a:rPr>
+                        <a:t>, </a:t>
+                      </a:r>
+                      <a:r>
+                        <a:rPr lang="ko-KR" altLang="en-US" sz="1100" cap="none" spc="0" dirty="0" err="1">
+                          <a:solidFill>
+                            <a:schemeClr val="tx1"/>
+                          </a:solidFill>
+                        </a:rPr>
+                        <a:t>피버</a:t>
+                      </a:r>
+                      <a:r>
+                        <a:rPr lang="ko-KR" altLang="en-US" sz="1100" cap="none" spc="0" dirty="0">
+                          <a:solidFill>
+                            <a:schemeClr val="tx1"/>
+                          </a:solidFill>
+                        </a:rPr>
+                        <a:t> 타임</a:t>
+                      </a:r>
+                      <a:r>
+                        <a:rPr lang="en-US" altLang="ko-KR" sz="1100" cap="none" spc="0" dirty="0">
+                          <a:solidFill>
+                            <a:schemeClr val="tx1"/>
+                          </a:solidFill>
+                        </a:rPr>
+                        <a:t>, </a:t>
+                      </a:r>
+                      <a:r>
+                        <a:rPr lang="ko-KR" altLang="en-US" sz="1100" cap="none" spc="0" dirty="0">
+                          <a:solidFill>
+                            <a:schemeClr val="tx1"/>
+                          </a:solidFill>
+                        </a:rPr>
+                        <a:t>왕자</a:t>
+                      </a:r>
+                      <a:r>
+                        <a:rPr lang="en-US" altLang="ko-KR" sz="1100" cap="none" spc="0" dirty="0">
+                          <a:solidFill>
+                            <a:schemeClr val="tx1"/>
+                          </a:solidFill>
+                        </a:rPr>
+                        <a:t>, </a:t>
+                      </a:r>
+                      <a:r>
+                        <a:rPr lang="ko-KR" altLang="en-US" sz="1100" cap="none" spc="0" dirty="0">
+                          <a:solidFill>
+                            <a:schemeClr val="tx1"/>
+                          </a:solidFill>
+                        </a:rPr>
+                        <a:t>랜덤 퀘스트</a:t>
+                      </a:r>
+                      <a:endParaRPr lang="en-US" altLang="ko-KR" sz="1100" cap="none" spc="0" dirty="0">
+                        <a:solidFill>
+                          <a:schemeClr val="tx1"/>
+                        </a:solidFill>
+                      </a:endParaRPr>
+                    </a:p>
+                  </a:txBody>
+                  <a:tcPr marL="137400" marR="124208" marT="105692" marB="105692" anchor="ctr">
+                    <a:lnL w="12700" cap="flat" cmpd="sng" algn="ctr">
+                      <a:solidFill>
+                        <a:srgbClr val="6F8299"/>
+                      </a:solidFill>
+                      <a:prstDash val="solid"/>
+                      <a:round/>
+                      <a:headEnd type="none" w="med" len="med"/>
+                      <a:tailEnd type="none" w="med" len="med"/>
+                    </a:lnL>
+                    <a:lnR w="12700" cap="flat" cmpd="sng" algn="ctr">
+                      <a:solidFill>
+                        <a:srgbClr val="6F8299"/>
+                      </a:solidFill>
+                      <a:prstDash val="solid"/>
+                      <a:round/>
+                      <a:headEnd type="none" w="med" len="med"/>
+                      <a:tailEnd type="none" w="med" len="med"/>
+                    </a:lnR>
+                    <a:lnT w="12700" cap="flat" cmpd="sng" algn="ctr">
+                      <a:solidFill>
+                        <a:srgbClr val="6F8299"/>
+                      </a:solidFill>
+                      <a:prstDash val="solid"/>
+                      <a:round/>
+                      <a:headEnd type="none" w="med" len="med"/>
+                      <a:tailEnd type="none" w="med" len="med"/>
+                    </a:lnT>
+                    <a:lnB w="12700" cap="flat" cmpd="sng" algn="ctr">
+                      <a:solidFill>
+                        <a:srgbClr val="6F8299"/>
+                      </a:solidFill>
+                      <a:prstDash val="solid"/>
+                      <a:round/>
+                      <a:headEnd type="none" w="med" len="med"/>
+                      <a:tailEnd type="none" w="med" len="med"/>
+                    </a:lnB>
+                    <a:lnTlToBr w="12700" cmpd="sng">
+                      <a:noFill/>
+                      <a:prstDash val="solid"/>
+                    </a:lnTlToBr>
+                    <a:lnBlToTr w="12700" cmpd="sng">
+                      <a:noFill/>
+                      <a:prstDash val="solid"/>
+                    </a:lnBlToTr>
+                  </a:tcPr>
+                </a:tc>
+                <a:extLst>
+                  <a:ext uri="{0D108BD9-81ED-4DB2-BD59-A6C34878D82A}">
+                    <a16:rowId xmlns:a16="http://schemas.microsoft.com/office/drawing/2014/main" val="2009892699"/>
+                  </a:ext>
+                </a:extLst>
+              </a:tr>
+              <a:tr h="688010">
+                <a:tc rowSpan="2">
+                  <a:txBody>
+                    <a:bodyPr/>
+                    <a:lstStyle/>
+                    <a:p>
+                      <a:pPr algn="l" latinLnBrk="1"/>
+                      <a:r>
+                        <a:rPr lang="en-US" altLang="ko-KR" sz="1100" cap="none" spc="0" dirty="0">
+                          <a:solidFill>
+                            <a:schemeClr val="tx1"/>
+                          </a:solidFill>
+                        </a:rPr>
+                        <a:t>7</a:t>
+                      </a:r>
+                      <a:r>
+                        <a:rPr lang="ko-KR" altLang="en-US" sz="1100" cap="none" spc="0" dirty="0">
+                          <a:solidFill>
+                            <a:schemeClr val="tx1"/>
+                          </a:solidFill>
+                        </a:rPr>
+                        <a:t>주차</a:t>
+                      </a:r>
+                    </a:p>
+                  </a:txBody>
+                  <a:tcPr marL="137400" marR="124208" marT="105692" marB="105692" anchor="ctr">
+                    <a:lnL w="12700" cap="flat" cmpd="sng" algn="ctr">
+                      <a:solidFill>
+                        <a:srgbClr val="6F8299"/>
+                      </a:solidFill>
+                      <a:prstDash val="solid"/>
+                      <a:round/>
+                      <a:headEnd type="none" w="med" len="med"/>
+                      <a:tailEnd type="none" w="med" len="med"/>
+                    </a:lnL>
+                    <a:lnR w="12700" cap="flat" cmpd="sng" algn="ctr">
+                      <a:solidFill>
+                        <a:srgbClr val="6F8299"/>
+                      </a:solidFill>
+                      <a:prstDash val="solid"/>
+                      <a:round/>
+                      <a:headEnd type="none" w="med" len="med"/>
+                      <a:tailEnd type="none" w="med" len="med"/>
+                    </a:lnR>
+                    <a:lnT w="12700" cap="flat" cmpd="sng" algn="ctr">
+                      <a:solidFill>
+                        <a:srgbClr val="6F8299"/>
+                      </a:solidFill>
+                      <a:prstDash val="solid"/>
+                      <a:round/>
+                      <a:headEnd type="none" w="med" len="med"/>
+                      <a:tailEnd type="none" w="med" len="med"/>
+                    </a:lnT>
+                    <a:lnTlToBr w="12700" cmpd="sng">
+                      <a:noFill/>
+                      <a:prstDash val="solid"/>
+                    </a:lnTlToBr>
+                    <a:lnBlToTr w="12700" cmpd="sng">
+                      <a:noFill/>
+                      <a:prstDash val="solid"/>
+                    </a:lnBlToTr>
+                  </a:tcPr>
+                </a:tc>
+                <a:tc>
+                  <a:txBody>
+                    <a:bodyPr/>
+                    <a:lstStyle/>
+                    <a:p>
+                      <a:pPr algn="l" latinLnBrk="1"/>
+                      <a:r>
+                        <a:rPr lang="ko-KR" altLang="en-US" sz="1100" cap="none" spc="0" dirty="0">
+                          <a:solidFill>
+                            <a:schemeClr val="tx1"/>
+                          </a:solidFill>
+                        </a:rPr>
+                        <a:t>보안</a:t>
+                      </a:r>
+                    </a:p>
+                  </a:txBody>
+                  <a:tcPr marL="137400" marR="124208" marT="105692" marB="105692" anchor="ctr">
+                    <a:lnL w="12700" cap="flat" cmpd="sng" algn="ctr">
+                      <a:solidFill>
+                        <a:srgbClr val="6F8299"/>
+                      </a:solidFill>
+                      <a:prstDash val="solid"/>
+                      <a:round/>
+                      <a:headEnd type="none" w="med" len="med"/>
+                      <a:tailEnd type="none" w="med" len="med"/>
+                    </a:lnL>
+                    <a:lnR w="12700" cap="flat" cmpd="sng" algn="ctr">
+                      <a:solidFill>
+                        <a:srgbClr val="6F8299"/>
+                      </a:solidFill>
+                      <a:prstDash val="solid"/>
+                      <a:round/>
+                      <a:headEnd type="none" w="med" len="med"/>
+                      <a:tailEnd type="none" w="med" len="med"/>
+                    </a:lnR>
+                    <a:lnT w="12700" cap="flat" cmpd="sng" algn="ctr">
+                      <a:solidFill>
+                        <a:srgbClr val="6F8299"/>
+                      </a:solidFill>
+                      <a:prstDash val="solid"/>
+                      <a:round/>
+                      <a:headEnd type="none" w="med" len="med"/>
+                      <a:tailEnd type="none" w="med" len="med"/>
+                    </a:lnT>
+                    <a:lnB w="12700" cap="flat" cmpd="sng" algn="ctr">
+                      <a:solidFill>
+                        <a:srgbClr val="6F8299"/>
+                      </a:solidFill>
+                      <a:prstDash val="solid"/>
+                      <a:round/>
+                      <a:headEnd type="none" w="med" len="med"/>
+                      <a:tailEnd type="none" w="med" len="med"/>
+                    </a:lnB>
+                    <a:lnTlToBr w="12700" cmpd="sng">
+                      <a:noFill/>
+                      <a:prstDash val="solid"/>
+                    </a:lnTlToBr>
+                    <a:lnBlToTr w="12700" cmpd="sng">
+                      <a:noFill/>
+                      <a:prstDash val="solid"/>
+                    </a:lnBlToTr>
+                  </a:tcPr>
+                </a:tc>
+                <a:extLst>
+                  <a:ext uri="{0D108BD9-81ED-4DB2-BD59-A6C34878D82A}">
+                    <a16:rowId xmlns:a16="http://schemas.microsoft.com/office/drawing/2014/main" val="4032994720"/>
+                  </a:ext>
+                </a:extLst>
+              </a:tr>
+              <a:tr h="688010">
+                <a:tc vMerge="1">
+                  <a:txBody>
+                    <a:bodyPr/>
+                    <a:lstStyle/>
+                    <a:p>
+                      <a:endParaRPr dirty="0"/>
+                    </a:p>
+                  </a:txBody>
+                  <a:tcPr marL="137400" marR="124208" marT="105692" marB="105692" anchor="ctr">
+                    <a:lnL w="12700" cap="flat" cmpd="sng" algn="ctr">
+                      <a:solidFill>
+                        <a:srgbClr val="6F8299"/>
+                      </a:solidFill>
+                      <a:prstDash val="solid"/>
+                      <a:round/>
+                      <a:headEnd type="none" w="med" len="med"/>
+                      <a:tailEnd type="none" w="med" len="med"/>
+                    </a:lnL>
+                    <a:lnR w="12700" cap="flat" cmpd="sng" algn="ctr">
+                      <a:solidFill>
+                        <a:srgbClr val="6F8299"/>
+                      </a:solidFill>
+                      <a:prstDash val="solid"/>
+                      <a:round/>
+                      <a:headEnd type="none" w="med" len="med"/>
+                      <a:tailEnd type="none" w="med" len="med"/>
+                    </a:lnR>
+                    <a:lnB w="12700" cap="flat" cmpd="sng" algn="ctr">
+                      <a:solidFill>
+                        <a:srgbClr val="6F8299"/>
+                      </a:solidFill>
+                      <a:prstDash val="solid"/>
+                      <a:round/>
+                      <a:headEnd type="none" w="med" len="med"/>
+                      <a:tailEnd type="none" w="med" len="med"/>
+                    </a:lnB>
+                    <a:lnTlToBr w="12700" cmpd="sng">
+                      <a:noFill/>
+                      <a:prstDash val="solid"/>
+                    </a:lnTlToBr>
+                    <a:lnBlToTr w="12700" cmpd="sng">
+                      <a:noFill/>
+                      <a:prstDash val="solid"/>
+                    </a:lnBlToTr>
+                  </a:tcPr>
+                </a:tc>
+                <a:tc>
+                  <a:txBody>
+                    <a:bodyPr/>
+                    <a:lstStyle/>
+                    <a:p>
+                      <a:pPr algn="l" latinLnBrk="1"/>
+                      <a:r>
+                        <a:rPr lang="ko-KR" altLang="en-US" sz="1100" cap="none" spc="0" dirty="0">
+                          <a:solidFill>
+                            <a:schemeClr val="tx1"/>
+                          </a:solidFill>
+                        </a:rPr>
+                        <a:t>골드 생성</a:t>
+                      </a:r>
+                      <a:r>
+                        <a:rPr lang="en-US" altLang="ko-KR" sz="1100" cap="none" spc="0" dirty="0">
+                          <a:solidFill>
+                            <a:schemeClr val="tx1"/>
+                          </a:solidFill>
+                        </a:rPr>
+                        <a:t>, </a:t>
+                      </a:r>
+                      <a:r>
+                        <a:rPr lang="ko-KR" altLang="en-US" sz="1100" cap="none" spc="0" dirty="0">
+                          <a:solidFill>
+                            <a:schemeClr val="tx1"/>
+                          </a:solidFill>
+                        </a:rPr>
+                        <a:t>점수 구현</a:t>
+                      </a:r>
+                      <a:r>
+                        <a:rPr lang="en-US" altLang="ko-KR" sz="1100" cap="none" spc="0" dirty="0">
+                          <a:solidFill>
+                            <a:schemeClr val="tx1"/>
+                          </a:solidFill>
+                        </a:rPr>
+                        <a:t>, </a:t>
+                      </a:r>
+                      <a:r>
+                        <a:rPr lang="ko-KR" altLang="en-US" sz="1100" cap="none" spc="0" dirty="0">
+                          <a:solidFill>
+                            <a:schemeClr val="tx1"/>
+                          </a:solidFill>
+                        </a:rPr>
+                        <a:t>엔딩 창</a:t>
+                      </a:r>
+                      <a:r>
+                        <a:rPr lang="en-US" altLang="ko-KR" sz="1100" cap="none" spc="0" dirty="0">
+                          <a:solidFill>
+                            <a:schemeClr val="tx1"/>
+                          </a:solidFill>
+                        </a:rPr>
+                        <a:t>, </a:t>
+                      </a:r>
+                      <a:r>
+                        <a:rPr lang="ko-KR" altLang="en-US" sz="1100" cap="none" spc="0" dirty="0">
+                          <a:solidFill>
+                            <a:schemeClr val="tx1"/>
+                          </a:solidFill>
+                        </a:rPr>
+                        <a:t>팝업 창</a:t>
+                      </a:r>
+                      <a:r>
+                        <a:rPr lang="en-US" altLang="ko-KR" sz="1100" cap="none" spc="0" dirty="0">
+                          <a:solidFill>
+                            <a:schemeClr val="tx1"/>
+                          </a:solidFill>
+                        </a:rPr>
+                        <a:t>, </a:t>
+                      </a:r>
+                      <a:r>
+                        <a:rPr lang="ko-KR" altLang="en-US" sz="1100" cap="none" spc="0">
+                          <a:solidFill>
+                            <a:schemeClr val="tx1"/>
+                          </a:solidFill>
+                        </a:rPr>
+                        <a:t>기타 추가하여야 할 창</a:t>
+                      </a:r>
+                      <a:endParaRPr lang="ko-KR" altLang="en-US" sz="1100" cap="none" spc="0" dirty="0">
+                        <a:solidFill>
+                          <a:schemeClr val="tx1"/>
+                        </a:solidFill>
+                      </a:endParaRPr>
+                    </a:p>
+                  </a:txBody>
+                  <a:tcPr marL="137400" marR="124208" marT="105692" marB="105692" anchor="ctr">
+                    <a:lnL w="12700" cap="flat" cmpd="sng" algn="ctr">
+                      <a:solidFill>
+                        <a:srgbClr val="6F8299"/>
+                      </a:solidFill>
+                      <a:prstDash val="solid"/>
+                      <a:round/>
+                      <a:headEnd type="none" w="med" len="med"/>
+                      <a:tailEnd type="none" w="med" len="med"/>
+                    </a:lnL>
+                    <a:lnR w="12700" cap="flat" cmpd="sng" algn="ctr">
+                      <a:solidFill>
+                        <a:srgbClr val="6F8299"/>
+                      </a:solidFill>
+                      <a:prstDash val="solid"/>
+                      <a:round/>
+                      <a:headEnd type="none" w="med" len="med"/>
+                      <a:tailEnd type="none" w="med" len="med"/>
+                    </a:lnR>
+                    <a:lnT w="12700" cap="flat" cmpd="sng" algn="ctr">
+                      <a:solidFill>
+                        <a:srgbClr val="6F8299"/>
+                      </a:solidFill>
+                      <a:prstDash val="solid"/>
+                      <a:round/>
+                      <a:headEnd type="none" w="med" len="med"/>
+                      <a:tailEnd type="none" w="med" len="med"/>
+                    </a:lnT>
+                    <a:lnB w="12700" cap="flat" cmpd="sng" algn="ctr">
+                      <a:solidFill>
+                        <a:srgbClr val="6F8299"/>
+                      </a:solidFill>
+                      <a:prstDash val="solid"/>
+                      <a:round/>
+                      <a:headEnd type="none" w="med" len="med"/>
+                      <a:tailEnd type="none" w="med" len="med"/>
+                    </a:lnB>
+                    <a:lnTlToBr w="12700" cmpd="sng">
+                      <a:noFill/>
+                      <a:prstDash val="solid"/>
+                    </a:lnTlToBr>
+                    <a:lnBlToTr w="12700" cmpd="sng">
+                      <a:noFill/>
+                      <a:prstDash val="solid"/>
+                    </a:lnBlToTr>
+                  </a:tcPr>
+                </a:tc>
+                <a:extLst>
+                  <a:ext uri="{0D108BD9-81ED-4DB2-BD59-A6C34878D82A}">
+                    <a16:rowId xmlns:a16="http://schemas.microsoft.com/office/drawing/2014/main" val="3484569656"/>
+                  </a:ext>
+                </a:extLst>
+              </a:tr>
+              <a:tr h="688010">
+                <a:tc rowSpan="2">
+                  <a:txBody>
+                    <a:bodyPr/>
+                    <a:lstStyle/>
+                    <a:p>
+                      <a:pPr algn="l" latinLnBrk="1"/>
+                      <a:r>
+                        <a:rPr lang="en-US" altLang="ko-KR" sz="1100" cap="none" spc="0" dirty="0">
+                          <a:solidFill>
+                            <a:schemeClr val="tx1"/>
+                          </a:solidFill>
+                        </a:rPr>
+                        <a:t>8</a:t>
+                      </a:r>
+                      <a:r>
+                        <a:rPr lang="ko-KR" altLang="en-US" sz="1100" cap="none" spc="0" dirty="0">
+                          <a:solidFill>
+                            <a:schemeClr val="tx1"/>
+                          </a:solidFill>
+                        </a:rPr>
+                        <a:t>주차</a:t>
+                      </a:r>
+                    </a:p>
+                  </a:txBody>
+                  <a:tcPr marL="137400" marR="124208" marT="105692" marB="105692" anchor="ctr">
+                    <a:lnL w="12700" cap="flat" cmpd="sng" algn="ctr">
+                      <a:solidFill>
+                        <a:srgbClr val="6F8299"/>
+                      </a:solidFill>
+                      <a:prstDash val="solid"/>
+                      <a:round/>
+                      <a:headEnd type="none" w="med" len="med"/>
+                      <a:tailEnd type="none" w="med" len="med"/>
+                    </a:lnL>
+                    <a:lnR w="12700" cap="flat" cmpd="sng" algn="ctr">
+                      <a:solidFill>
+                        <a:srgbClr val="6F8299"/>
+                      </a:solidFill>
+                      <a:prstDash val="solid"/>
+                      <a:round/>
+                      <a:headEnd type="none" w="med" len="med"/>
+                      <a:tailEnd type="none" w="med" len="med"/>
+                    </a:lnR>
+                    <a:lnTlToBr w="12700" cmpd="sng">
+                      <a:noFill/>
+                      <a:prstDash val="solid"/>
+                    </a:lnTlToBr>
+                    <a:lnBlToTr w="12700" cmpd="sng">
+                      <a:noFill/>
+                      <a:prstDash val="solid"/>
+                    </a:lnBlToTr>
+                  </a:tcPr>
+                </a:tc>
+                <a:tc>
+                  <a:txBody>
+                    <a:bodyPr/>
+                    <a:lstStyle/>
+                    <a:p>
+                      <a:pPr algn="l" latinLnBrk="1"/>
+                      <a:r>
+                        <a:rPr lang="ko-KR" altLang="en-US" sz="1100" cap="none" spc="0" dirty="0">
+                          <a:solidFill>
+                            <a:schemeClr val="tx1"/>
+                          </a:solidFill>
+                        </a:rPr>
+                        <a:t>최종 점검 및 릴리즈</a:t>
+                      </a:r>
+                    </a:p>
+                  </a:txBody>
+                  <a:tcPr marL="137400" marR="124208" marT="105692" marB="105692" anchor="ctr">
+                    <a:lnL w="12700" cap="flat" cmpd="sng" algn="ctr">
+                      <a:solidFill>
+                        <a:srgbClr val="6F8299"/>
+                      </a:solidFill>
+                      <a:prstDash val="solid"/>
+                      <a:round/>
+                      <a:headEnd type="none" w="med" len="med"/>
+                      <a:tailEnd type="none" w="med" len="med"/>
+                    </a:lnL>
+                    <a:lnR w="12700" cap="flat" cmpd="sng" algn="ctr">
+                      <a:solidFill>
+                        <a:srgbClr val="6F8299"/>
+                      </a:solidFill>
+                      <a:prstDash val="solid"/>
+                      <a:round/>
+                      <a:headEnd type="none" w="med" len="med"/>
+                      <a:tailEnd type="none" w="med" len="med"/>
+                    </a:lnR>
+                    <a:lnT w="12700" cap="flat" cmpd="sng" algn="ctr">
+                      <a:solidFill>
+                        <a:srgbClr val="6F8299"/>
+                      </a:solidFill>
+                      <a:prstDash val="solid"/>
+                      <a:round/>
+                      <a:headEnd type="none" w="med" len="med"/>
+                      <a:tailEnd type="none" w="med" len="med"/>
+                    </a:lnT>
+                    <a:lnB w="12700" cap="flat" cmpd="sng" algn="ctr">
+                      <a:solidFill>
+                        <a:srgbClr val="6F8299"/>
+                      </a:solidFill>
+                      <a:prstDash val="solid"/>
+                      <a:round/>
+                      <a:headEnd type="none" w="med" len="med"/>
+                      <a:tailEnd type="none" w="med" len="med"/>
+                    </a:lnB>
+                    <a:lnTlToBr w="12700" cmpd="sng">
+                      <a:noFill/>
+                      <a:prstDash val="solid"/>
+                    </a:lnTlToBr>
+                    <a:lnBlToTr w="12700" cmpd="sng">
+                      <a:noFill/>
+                      <a:prstDash val="solid"/>
+                    </a:lnBlToTr>
+                  </a:tcPr>
+                </a:tc>
+                <a:extLst>
+                  <a:ext uri="{0D108BD9-81ED-4DB2-BD59-A6C34878D82A}">
+                    <a16:rowId xmlns:a16="http://schemas.microsoft.com/office/drawing/2014/main" val="675931923"/>
+                  </a:ext>
+                </a:extLst>
+              </a:tr>
+              <a:tr h="688010">
+                <a:tc vMerge="1">
+                  <a:txBody>
+                    <a:bodyPr/>
+                    <a:lstStyle/>
+                    <a:p>
+                      <a:endParaRPr dirty="0"/>
+                    </a:p>
+                  </a:txBody>
+                  <a:tcPr marL="137400" marR="124208" marT="105692" marB="105692" anchor="ctr">
+                    <a:lnL w="12700" cap="flat" cmpd="sng" algn="ctr">
+                      <a:solidFill>
+                        <a:srgbClr val="6F8299"/>
+                      </a:solidFill>
+                      <a:prstDash val="solid"/>
+                      <a:round/>
+                      <a:headEnd type="none" w="med" len="med"/>
+                      <a:tailEnd type="none" w="med" len="med"/>
+                    </a:lnL>
+                    <a:lnR w="12700" cap="flat" cmpd="sng" algn="ctr">
+                      <a:solidFill>
+                        <a:srgbClr val="6F8299"/>
+                      </a:solidFill>
+                      <a:prstDash val="solid"/>
+                      <a:round/>
+                      <a:headEnd type="none" w="med" len="med"/>
+                      <a:tailEnd type="none" w="med" len="med"/>
+                    </a:lnR>
+                    <a:lnB w="12700" cap="flat" cmpd="sng" algn="ctr">
+                      <a:solidFill>
+                        <a:srgbClr val="6F8299"/>
+                      </a:solidFill>
+                      <a:prstDash val="solid"/>
+                      <a:round/>
+                      <a:headEnd type="none" w="med" len="med"/>
+                      <a:tailEnd type="none" w="med" len="med"/>
+                    </a:lnB>
+                    <a:lnTlToBr w="12700" cmpd="sng">
+                      <a:noFill/>
+                      <a:prstDash val="solid"/>
+                    </a:lnTlToBr>
+                    <a:lnBlToTr w="12700" cmpd="sng">
+                      <a:noFill/>
+                      <a:prstDash val="solid"/>
+                    </a:lnBlToTr>
+                  </a:tcPr>
+                </a:tc>
+                <a:tc>
+                  <a:txBody>
+                    <a:bodyPr/>
+                    <a:lstStyle/>
+                    <a:p>
+                      <a:pPr marL="0" marR="0" lvl="0" indent="0" algn="l" defTabSz="914400" rtl="0" eaLnBrk="1" fontAlgn="auto" latinLnBrk="1" hangingPunct="1">
+                        <a:lnSpc>
+                          <a:spcPct val="100000"/>
+                        </a:lnSpc>
+                        <a:spcBef>
+                          <a:spcPts val="0"/>
+                        </a:spcBef>
+                        <a:spcAft>
+                          <a:spcPts val="0"/>
+                        </a:spcAft>
+                        <a:buClrTx/>
+                        <a:buSzTx/>
+                        <a:buFontTx/>
+                        <a:buNone/>
+                        <a:tabLst/>
+                        <a:defRPr/>
+                      </a:pPr>
+                      <a:r>
+                        <a:rPr lang="en-US" altLang="ko-KR" sz="1100" cap="none" spc="0" dirty="0">
+                          <a:solidFill>
+                            <a:schemeClr val="tx1"/>
+                          </a:solidFill>
+                        </a:rPr>
+                        <a:t>-</a:t>
+                      </a:r>
+                      <a:endParaRPr lang="ko-KR" altLang="en-US" sz="1100" cap="none" spc="0" dirty="0">
+                        <a:solidFill>
+                          <a:schemeClr val="tx1"/>
+                        </a:solidFill>
+                      </a:endParaRPr>
+                    </a:p>
+                  </a:txBody>
+                  <a:tcPr marL="137400" marR="124208" marT="105692" marB="105692" anchor="ctr">
+                    <a:lnL w="12700" cap="flat" cmpd="sng" algn="ctr">
+                      <a:solidFill>
+                        <a:srgbClr val="6F8299"/>
+                      </a:solidFill>
+                      <a:prstDash val="solid"/>
+                      <a:round/>
+                      <a:headEnd type="none" w="med" len="med"/>
+                      <a:tailEnd type="none" w="med" len="med"/>
+                    </a:lnL>
+                    <a:lnR w="12700" cap="flat" cmpd="sng" algn="ctr">
+                      <a:solidFill>
+                        <a:srgbClr val="6F8299"/>
+                      </a:solidFill>
+                      <a:prstDash val="solid"/>
+                      <a:round/>
+                      <a:headEnd type="none" w="med" len="med"/>
+                      <a:tailEnd type="none" w="med" len="med"/>
+                    </a:lnR>
+                    <a:lnT w="12700" cap="flat" cmpd="sng" algn="ctr">
+                      <a:solidFill>
+                        <a:srgbClr val="6F8299"/>
+                      </a:solidFill>
+                      <a:prstDash val="solid"/>
+                      <a:round/>
+                      <a:headEnd type="none" w="med" len="med"/>
+                      <a:tailEnd type="none" w="med" len="med"/>
+                    </a:lnT>
+                    <a:lnB w="12700" cap="flat" cmpd="sng" algn="ctr">
+                      <a:solidFill>
+                        <a:srgbClr val="6F8299"/>
+                      </a:solidFill>
+                      <a:prstDash val="solid"/>
+                      <a:round/>
+                      <a:headEnd type="none" w="med" len="med"/>
+                      <a:tailEnd type="none" w="med" len="med"/>
+                    </a:lnB>
+                    <a:lnTlToBr w="12700" cmpd="sng">
+                      <a:noFill/>
+                      <a:prstDash val="solid"/>
+                    </a:lnTlToBr>
+                    <a:lnBlToTr w="12700" cmpd="sng">
+                      <a:noFill/>
+                      <a:prstDash val="solid"/>
+                    </a:lnBlToTr>
+                  </a:tcPr>
+                </a:tc>
+                <a:extLst>
+                  <a:ext uri="{0D108BD9-81ED-4DB2-BD59-A6C34878D82A}">
+                    <a16:rowId xmlns:a16="http://schemas.microsoft.com/office/drawing/2014/main" val="2997049126"/>
+                  </a:ext>
+                </a:extLst>
+              </a:tr>
+            </a:tbl>
+          </a:graphicData>
+        </a:graphic>
+      </p:graphicFrame>
+    </p:spTree>
+    <p:extLst>
+      <p:ext uri="{BB962C8B-B14F-4D97-AF65-F5344CB8AC3E}">
+        <p14:creationId xmlns:p14="http://schemas.microsoft.com/office/powerpoint/2010/main" val="4080679272"/>
+      </p:ext>
+    </p:extLst>
+  </p:cSld>
+  <p:clrMapOvr>
+    <a:masterClrMapping/>
+  </p:clrMapOvr>
+</p:sld>
+</file>
+
 <file path=ppt/slides/slide4.xml><?xml version="1.0" encoding="utf-8"?>
+<p:sld xmlns:a="http://schemas.openxmlformats.org/drawingml/2006/main" xmlns:r="http://schemas.openxmlformats.org/officeDocument/2006/relationships" xmlns:p="http://schemas.openxmlformats.org/presentationml/2006/main">
+  <p:cSld>
+    <p:bg>
+      <p:bgPr>
+        <a:solidFill>
+          <a:schemeClr val="bg1"/>
+        </a:solidFill>
+        <a:effectLst/>
+      </p:bgPr>
+    </p:bg>
+    <p:spTree>
+      <p:nvGrpSpPr>
+        <p:cNvPr id="1" name=""/>
+        <p:cNvGrpSpPr/>
+        <p:nvPr/>
+      </p:nvGrpSpPr>
+      <p:grpSpPr>
+        <a:xfrm>
+          <a:off x="0" y="0"/>
+          <a:ext cx="0" cy="0"/>
+          <a:chOff x="0" y="0"/>
+          <a:chExt cx="0" cy="0"/>
+        </a:xfrm>
+      </p:grpSpPr>
+      <p:sp>
+        <p:nvSpPr>
+          <p:cNvPr id="2097" name="Flowchart: Document 2096">
+            <a:extLst>
+              <a:ext uri="{FF2B5EF4-FFF2-40B4-BE49-F238E27FC236}">
+                <a16:creationId xmlns:a16="http://schemas.microsoft.com/office/drawing/2014/main" id="{D12DDE76-C203-4047-9998-63900085B5E8}"/>
+              </a:ext>
+              <a:ext uri="{C183D7F6-B498-43B3-948B-1728B52AA6E4}">
+                <adec:decorative xmlns:adec="http://schemas.microsoft.com/office/drawing/2017/decorative" val="1"/>
+              </a:ext>
+            </a:extLst>
+          </p:cNvPr>
+          <p:cNvSpPr>
+            <a:spLocks noGrp="1" noRot="1" noChangeAspect="1" noMove="1" noResize="1" noEditPoints="1" noAdjustHandles="1" noChangeArrowheads="1" noChangeShapeType="1" noTextEdit="1"/>
+          </p:cNvSpPr>
+          <p:nvPr>
+            <p:extLst>
+              <p:ext uri="{386F3935-93C4-4BCD-93E2-E3B085C9AB24}">
+                <p16:designElem xmlns:p16="http://schemas.microsoft.com/office/powerpoint/2015/main" val="1"/>
+              </p:ext>
+            </p:extLst>
+          </p:nvPr>
+        </p:nvSpPr>
+        <p:spPr>
+          <a:xfrm>
+            <a:off x="638175" y="0"/>
+            <a:ext cx="3248025" cy="3400426"/>
+          </a:xfrm>
+          <a:prstGeom prst="flowChartDocument">
+            <a:avLst/>
+          </a:prstGeom>
+          <a:solidFill>
+            <a:srgbClr val="6F8299"/>
+          </a:solidFill>
+          <a:ln>
+            <a:noFill/>
+          </a:ln>
+        </p:spPr>
+        <p:style>
+          <a:lnRef idx="2">
+            <a:schemeClr val="accent1">
+              <a:shade val="50000"/>
+            </a:schemeClr>
+          </a:lnRef>
+          <a:fillRef idx="1">
+            <a:schemeClr val="accent1"/>
+          </a:fillRef>
+          <a:effectRef idx="0">
+            <a:schemeClr val="accent1"/>
+          </a:effectRef>
+          <a:fontRef idx="minor">
+            <a:schemeClr val="lt1"/>
+          </a:fontRef>
+        </p:style>
+        <p:txBody>
+          <a:bodyPr rtlCol="0" anchor="ctr"/>
+          <a:lstStyle/>
+          <a:p>
+            <a:pPr algn="ctr"/>
+            <a:endParaRPr lang="en-US"/>
+          </a:p>
+        </p:txBody>
+      </p:sp>
+      <p:sp>
+        <p:nvSpPr>
+          <p:cNvPr id="2" name="제목 1">
+            <a:extLst>
+              <a:ext uri="{FF2B5EF4-FFF2-40B4-BE49-F238E27FC236}">
+                <a16:creationId xmlns:a16="http://schemas.microsoft.com/office/drawing/2014/main" id="{67055102-0BFE-55E8-CDA6-9E72318FF372}"/>
+              </a:ext>
+            </a:extLst>
+          </p:cNvPr>
+          <p:cNvSpPr>
+            <a:spLocks noGrp="1"/>
+          </p:cNvSpPr>
+          <p:nvPr>
+            <p:ph type="title"/>
+          </p:nvPr>
+        </p:nvSpPr>
+        <p:spPr>
+          <a:xfrm>
+            <a:off x="838200" y="171162"/>
+            <a:ext cx="2840182" cy="2371148"/>
+          </a:xfrm>
+          <a:prstGeom prst="rect">
+            <a:avLst/>
+          </a:prstGeom>
+        </p:spPr>
+        <p:txBody>
+          <a:bodyPr vert="horz" lIns="91440" tIns="45720" rIns="91440" bIns="45720" rtlCol="0" anchor="ctr">
+            <a:normAutofit/>
+          </a:bodyPr>
+          <a:lstStyle/>
+          <a:p>
+            <a:pPr latinLnBrk="0"/>
+            <a:r>
+              <a:rPr lang="en-US" altLang="ko-KR" kern="1200">
+                <a:solidFill>
+                  <a:srgbClr val="FFFFFF"/>
+                </a:solidFill>
+                <a:latin typeface="+mj-lt"/>
+                <a:ea typeface="+mj-ea"/>
+                <a:cs typeface="+mj-cs"/>
+              </a:rPr>
+              <a:t>Github commits</a:t>
+            </a:r>
+          </a:p>
+        </p:txBody>
+      </p:sp>
+      <p:pic>
+        <p:nvPicPr>
+          <p:cNvPr id="6" name="내용 개체 틀 5" descr="텍스트, 라인, 도표, 그래프이(가) 표시된 사진&#10;&#10;자동 생성된 설명">
+            <a:extLst>
+              <a:ext uri="{FF2B5EF4-FFF2-40B4-BE49-F238E27FC236}">
+                <a16:creationId xmlns:a16="http://schemas.microsoft.com/office/drawing/2014/main" id="{B38C74C5-9E12-D045-C0BB-C4C1156BB7E4}"/>
+              </a:ext>
+            </a:extLst>
+          </p:cNvPr>
+          <p:cNvPicPr>
+            <a:picLocks noGrp="1" noChangeAspect="1"/>
+          </p:cNvPicPr>
+          <p:nvPr>
+            <p:ph idx="1"/>
+          </p:nvPr>
+        </p:nvPicPr>
+        <p:blipFill>
+          <a:blip r:embed="rId2">
+            <a:extLst>
+              <a:ext uri="{28A0092B-C50C-407E-A947-70E740481C1C}">
+                <a14:useLocalDpi xmlns:a14="http://schemas.microsoft.com/office/drawing/2010/main" val="0"/>
+              </a:ext>
+            </a:extLst>
+          </a:blip>
+          <a:stretch/>
+        </p:blipFill>
+        <p:spPr>
+          <a:xfrm>
+            <a:off x="4207933" y="1399731"/>
+            <a:ext cx="7347537" cy="4059513"/>
+          </a:xfrm>
+          <a:prstGeom prst="rect">
+            <a:avLst/>
+          </a:prstGeom>
+        </p:spPr>
+      </p:pic>
+    </p:spTree>
+    <p:extLst>
+      <p:ext uri="{BB962C8B-B14F-4D97-AF65-F5344CB8AC3E}">
+        <p14:creationId xmlns:p14="http://schemas.microsoft.com/office/powerpoint/2010/main" val="3351772190"/>
+      </p:ext>
+    </p:extLst>
+  </p:cSld>
+  <p:clrMapOvr>
+    <a:masterClrMapping/>
+  </p:clrMapOvr>
+</p:sld>
+</file>
+
+<file path=ppt/slides/slide5.xml><?xml version="1.0" encoding="utf-8"?>
 <p:sld xmlns:a="http://schemas.openxmlformats.org/drawingml/2006/main" xmlns:r="http://schemas.openxmlformats.org/officeDocument/2006/relationships" xmlns:p="http://schemas.openxmlformats.org/presentationml/2006/main">
   <p:cSld>
     <p:bg>
@@ -8502,23 +9829,6 @@
 </file>
 
 <file path=customXml/item1.xml><?xml version="1.0" encoding="utf-8"?>
-<?mso-contentType ?>
-<FormTemplates xmlns="http://schemas.microsoft.com/sharepoint/v3/contenttype/forms">
-  <Display>DocumentLibraryForm</Display>
-  <Edit>DocumentLibraryForm</Edit>
-  <New>DocumentLibraryForm</New>
-</FormTemplates>
-</file>
-
-<file path=customXml/item2.xml><?xml version="1.0" encoding="utf-8"?>
-<p:properties xmlns:p="http://schemas.microsoft.com/office/2006/metadata/properties" xmlns:xsi="http://www.w3.org/2001/XMLSchema-instance" xmlns:pc="http://schemas.microsoft.com/office/infopath/2007/PartnerControls">
-  <documentManagement>
-    <_activity xmlns="feed8874-3fba-4387-86cc-e2f2882b618c" xsi:nil="true"/>
-  </documentManagement>
-</p:properties>
-</file>
-
-<file path=customXml/item3.xml><?xml version="1.0" encoding="utf-8"?>
 <ct:contentTypeSchema xmlns:ct="http://schemas.microsoft.com/office/2006/metadata/contentType" xmlns:ma="http://schemas.microsoft.com/office/2006/metadata/properties/metaAttributes" ct:_="" ma:_="" ma:contentTypeName="문서" ma:contentTypeID="0x010100FD47C260C1542241BE7CE7085A444C3E" ma:contentTypeVersion="6" ma:contentTypeDescription="새 문서를 만듭니다." ma:contentTypeScope="" ma:versionID="0447705ee375233b3d21fa88e1128aac">
   <xsd:schema xmlns:xsd="http://www.w3.org/2001/XMLSchema" xmlns:xs="http://www.w3.org/2001/XMLSchema" xmlns:p="http://schemas.microsoft.com/office/2006/metadata/properties" xmlns:ns3="feed8874-3fba-4387-86cc-e2f2882b618c" targetNamespace="http://schemas.microsoft.com/office/2006/metadata/properties" ma:root="true" ma:fieldsID="7aafa44a65cc85a6931fe3752c3d6cf3" ns3:_="">
     <xsd:import namespace="feed8874-3fba-4387-86cc-e2f2882b618c"/>
@@ -8674,31 +9984,24 @@
 </ct:contentTypeSchema>
 </file>
 
-<file path=customXml/itemProps1.xml><?xml version="1.0" encoding="utf-8"?>
-<ds:datastoreItem xmlns:ds="http://schemas.openxmlformats.org/officeDocument/2006/customXml" ds:itemID="{E146B986-4462-41CC-B527-2320307DF4B9}">
-  <ds:schemaRefs>
-    <ds:schemaRef ds:uri="http://schemas.microsoft.com/sharepoint/v3/contenttype/forms"/>
-  </ds:schemaRefs>
-</ds:datastoreItem>
+<file path=customXml/item2.xml><?xml version="1.0" encoding="utf-8"?>
+<?mso-contentType ?>
+<FormTemplates xmlns="http://schemas.microsoft.com/sharepoint/v3/contenttype/forms">
+  <Display>DocumentLibraryForm</Display>
+  <Edit>DocumentLibraryForm</Edit>
+  <New>DocumentLibraryForm</New>
+</FormTemplates>
 </file>
 
-<file path=customXml/itemProps2.xml><?xml version="1.0" encoding="utf-8"?>
-<ds:datastoreItem xmlns:ds="http://schemas.openxmlformats.org/officeDocument/2006/customXml" ds:itemID="{F79DBCB6-A9F8-4FB7-876C-3527E88C0568}">
-  <ds:schemaRefs>
-    <ds:schemaRef ds:uri="http://schemas.microsoft.com/office/2006/metadata/properties"/>
-    <ds:schemaRef ds:uri="feed8874-3fba-4387-86cc-e2f2882b618c"/>
-    <ds:schemaRef ds:uri="http://purl.org/dc/terms/"/>
-    <ds:schemaRef ds:uri="http://purl.org/dc/dcmitype/"/>
-    <ds:schemaRef ds:uri="http://schemas.microsoft.com/office/infopath/2007/PartnerControls"/>
-    <ds:schemaRef ds:uri="http://schemas.microsoft.com/office/2006/documentManagement/types"/>
-    <ds:schemaRef ds:uri="http://purl.org/dc/elements/1.1/"/>
-    <ds:schemaRef ds:uri="http://schemas.openxmlformats.org/package/2006/metadata/core-properties"/>
-    <ds:schemaRef ds:uri="http://www.w3.org/XML/1998/namespace"/>
-  </ds:schemaRefs>
-</ds:datastoreItem>
+<file path=customXml/item3.xml><?xml version="1.0" encoding="utf-8"?>
+<p:properties xmlns:p="http://schemas.microsoft.com/office/2006/metadata/properties" xmlns:xsi="http://www.w3.org/2001/XMLSchema-instance" xmlns:pc="http://schemas.microsoft.com/office/infopath/2007/PartnerControls">
+  <documentManagement>
+    <_activity xmlns="feed8874-3fba-4387-86cc-e2f2882b618c" xsi:nil="true"/>
+  </documentManagement>
+</p:properties>
 </file>
 
-<file path=customXml/itemProps3.xml><?xml version="1.0" encoding="utf-8"?>
+<file path=customXml/itemProps1.xml><?xml version="1.0" encoding="utf-8"?>
 <ds:datastoreItem xmlns:ds="http://schemas.openxmlformats.org/officeDocument/2006/customXml" ds:itemID="{0492918B-1100-4B8B-86A8-1EC6F448672B}">
   <ds:schemaRefs>
     <ds:schemaRef ds:uri="http://schemas.microsoft.com/office/2006/metadata/contentType"/>
@@ -8714,4 +10017,28 @@
     <ds:schemaRef ds:uri="http://schemas.microsoft.com/internal/obd"/>
   </ds:schemaRefs>
 </ds:datastoreItem>
+</file>
+
+<file path=customXml/itemProps2.xml><?xml version="1.0" encoding="utf-8"?>
+<ds:datastoreItem xmlns:ds="http://schemas.openxmlformats.org/officeDocument/2006/customXml" ds:itemID="{E146B986-4462-41CC-B527-2320307DF4B9}">
+  <ds:schemaRefs>
+    <ds:schemaRef ds:uri="http://schemas.microsoft.com/sharepoint/v3/contenttype/forms"/>
+  </ds:schemaRefs>
+</ds:datastoreItem>
+</file>
+
+<file path=customXml/itemProps3.xml><?xml version="1.0" encoding="utf-8"?>
+<ds:datastoreItem xmlns:ds="http://schemas.openxmlformats.org/officeDocument/2006/customXml" ds:itemID="{F79DBCB6-A9F8-4FB7-876C-3527E88C0568}">
+  <ds:schemaRefs>
+    <ds:schemaRef ds:uri="http://schemas.microsoft.com/office/2006/metadata/properties"/>
+    <ds:schemaRef ds:uri="feed8874-3fba-4387-86cc-e2f2882b618c"/>
+    <ds:schemaRef ds:uri="http://purl.org/dc/terms/"/>
+    <ds:schemaRef ds:uri="http://purl.org/dc/dcmitype/"/>
+    <ds:schemaRef ds:uri="http://schemas.microsoft.com/office/infopath/2007/PartnerControls"/>
+    <ds:schemaRef ds:uri="http://schemas.microsoft.com/office/2006/documentManagement/types"/>
+    <ds:schemaRef ds:uri="http://purl.org/dc/elements/1.1/"/>
+    <ds:schemaRef ds:uri="http://schemas.openxmlformats.org/package/2006/metadata/core-properties"/>
+    <ds:schemaRef ds:uri="http://www.w3.org/XML/1998/namespace"/>
+  </ds:schemaRefs>
+</ds:datastoreItem>
 </file>